--- a/Análise Exploratoria de Dados - Atrasos Voos.pptx
+++ b/Análise Exploratoria de Dados - Atrasos Voos.pptx
@@ -344,7 +344,7 @@
           <a:p>
             <a:fld id="{1A371EF7-E44F-4D19-A5D6-560894A90488}" type="datetimeFigureOut">
               <a:rPr lang="pt-BR" smtClean="0"/>
-              <a:t>08/12/2025</a:t>
+              <a:t>09/12/2025</a:t>
             </a:fld>
             <a:endParaRPr lang="pt-BR"/>
           </a:p>
@@ -514,7 +514,7 @@
           <a:p>
             <a:fld id="{1A371EF7-E44F-4D19-A5D6-560894A90488}" type="datetimeFigureOut">
               <a:rPr lang="pt-BR" smtClean="0"/>
-              <a:t>08/12/2025</a:t>
+              <a:t>09/12/2025</a:t>
             </a:fld>
             <a:endParaRPr lang="pt-BR"/>
           </a:p>
@@ -694,7 +694,7 @@
           <a:p>
             <a:fld id="{1A371EF7-E44F-4D19-A5D6-560894A90488}" type="datetimeFigureOut">
               <a:rPr lang="pt-BR" smtClean="0"/>
-              <a:t>08/12/2025</a:t>
+              <a:t>09/12/2025</a:t>
             </a:fld>
             <a:endParaRPr lang="pt-BR"/>
           </a:p>
@@ -864,7 +864,7 @@
           <a:p>
             <a:fld id="{1A371EF7-E44F-4D19-A5D6-560894A90488}" type="datetimeFigureOut">
               <a:rPr lang="pt-BR" smtClean="0"/>
-              <a:t>08/12/2025</a:t>
+              <a:t>09/12/2025</a:t>
             </a:fld>
             <a:endParaRPr lang="pt-BR"/>
           </a:p>
@@ -1122,7 +1122,7 @@
           <a:p>
             <a:fld id="{1A371EF7-E44F-4D19-A5D6-560894A90488}" type="datetimeFigureOut">
               <a:rPr lang="pt-BR" smtClean="0"/>
-              <a:t>08/12/2025</a:t>
+              <a:t>09/12/2025</a:t>
             </a:fld>
             <a:endParaRPr lang="pt-BR"/>
           </a:p>
@@ -1410,7 +1410,7 @@
           <a:p>
             <a:fld id="{1A371EF7-E44F-4D19-A5D6-560894A90488}" type="datetimeFigureOut">
               <a:rPr lang="pt-BR" smtClean="0"/>
-              <a:t>08/12/2025</a:t>
+              <a:t>09/12/2025</a:t>
             </a:fld>
             <a:endParaRPr lang="pt-BR"/>
           </a:p>
@@ -1852,7 +1852,7 @@
           <a:p>
             <a:fld id="{1A371EF7-E44F-4D19-A5D6-560894A90488}" type="datetimeFigureOut">
               <a:rPr lang="pt-BR" smtClean="0"/>
-              <a:t>08/12/2025</a:t>
+              <a:t>09/12/2025</a:t>
             </a:fld>
             <a:endParaRPr lang="pt-BR"/>
           </a:p>
@@ -1970,7 +1970,7 @@
           <a:p>
             <a:fld id="{1A371EF7-E44F-4D19-A5D6-560894A90488}" type="datetimeFigureOut">
               <a:rPr lang="pt-BR" smtClean="0"/>
-              <a:t>08/12/2025</a:t>
+              <a:t>09/12/2025</a:t>
             </a:fld>
             <a:endParaRPr lang="pt-BR"/>
           </a:p>
@@ -2065,7 +2065,7 @@
           <a:p>
             <a:fld id="{1A371EF7-E44F-4D19-A5D6-560894A90488}" type="datetimeFigureOut">
               <a:rPr lang="pt-BR" smtClean="0"/>
-              <a:t>08/12/2025</a:t>
+              <a:t>09/12/2025</a:t>
             </a:fld>
             <a:endParaRPr lang="pt-BR"/>
           </a:p>
@@ -2353,7 +2353,7 @@
           <a:p>
             <a:fld id="{1A371EF7-E44F-4D19-A5D6-560894A90488}" type="datetimeFigureOut">
               <a:rPr lang="pt-BR" smtClean="0"/>
-              <a:t>08/12/2025</a:t>
+              <a:t>09/12/2025</a:t>
             </a:fld>
             <a:endParaRPr lang="pt-BR"/>
           </a:p>
@@ -2626,7 +2626,7 @@
           <a:p>
             <a:fld id="{1A371EF7-E44F-4D19-A5D6-560894A90488}" type="datetimeFigureOut">
               <a:rPr lang="pt-BR" smtClean="0"/>
-              <a:t>08/12/2025</a:t>
+              <a:t>09/12/2025</a:t>
             </a:fld>
             <a:endParaRPr lang="pt-BR"/>
           </a:p>
@@ -2923,7 +2923,7 @@
           <a:p>
             <a:fld id="{1A371EF7-E44F-4D19-A5D6-560894A90488}" type="datetimeFigureOut">
               <a:rPr lang="pt-BR" smtClean="0"/>
-              <a:t>08/12/2025</a:t>
+              <a:t>09/12/2025</a:t>
             </a:fld>
             <a:endParaRPr lang="pt-BR"/>
           </a:p>
@@ -3575,7 +3575,7 @@
                   <a:srgbClr val="002060"/>
                 </a:solidFill>
               </a:rPr>
-              <a:t>Lilian Reis</a:t>
+              <a:t>Lilian Reis - https://github.com/lilyansoares-lab/Atrasos_Voos</a:t>
             </a:r>
           </a:p>
         </p:txBody>
@@ -5662,18 +5662,7 @@
                 <a:ea typeface="Calibri" panose="020F0502020204030204" pitchFamily="34" charset="0"/>
                 <a:cs typeface="Calibri" panose="020F0502020204030204" pitchFamily="34" charset="0"/>
               </a:rPr>
-              <a:t>Como os aeroportos, rotas e duração do voo podem influenciar </a:t>
-            </a:r>
-            <a:r>
-              <a:rPr lang="pt-BR" sz="1200" dirty="0">
-                <a:solidFill>
-                  <a:schemeClr val="tx1"/>
-                </a:solidFill>
-                <a:latin typeface="Calibri" panose="020F0502020204030204" pitchFamily="34" charset="0"/>
-                <a:ea typeface="Calibri" panose="020F0502020204030204" pitchFamily="34" charset="0"/>
-                <a:cs typeface="Calibri" panose="020F0502020204030204" pitchFamily="34" charset="0"/>
-              </a:rPr>
-              <a:t>os atrasos, essa será a próxima análise. </a:t>
+              <a:t>Como os aeroportos, rotas e duração do voo podem influenciar os atrasos, essa será a próxima análise. </a:t>
             </a:r>
           </a:p>
         </p:txBody>
@@ -7025,7 +7014,7 @@
                 <a:ea typeface="Calibri" panose="020F0502020204030204" pitchFamily="34" charset="0"/>
                 <a:cs typeface="Calibri" panose="020F0502020204030204" pitchFamily="34" charset="0"/>
               </a:rPr>
-              <a:t>N16919 (EV) &amp; N14998 (EV): Alto atraso (≈28-30 min) com mais de 200 voos cada, impactando muitos passageiros.</a:t>
+              <a:t>N16919 (EV) e N14998 (EV): Alto atraso (≈28-30 min) com mais de 200 voos cada, impactando muitos passageiros.</a:t>
             </a:r>
             <a:br>
               <a:rPr lang="pt-BR" sz="1200" dirty="0">
@@ -8310,7 +8299,54 @@
                 <a:ea typeface="Calibri" panose="020F0502020204030204" pitchFamily="34" charset="0"/>
                 <a:cs typeface="Calibri" panose="020F0502020204030204" pitchFamily="34" charset="0"/>
               </a:rPr>
-              <a:t> voos partindo de Nova York (JFK, LGA, EWR) o atrasos podem a nevascas específicas daquela região, tempestades e ou aumento de demanda  período de férias.</a:t>
+              <a:t> voos partindo de Nova York (JFK, LGA, EWR), os atrasos podem ter a ver com nevascas específicas daquela região, tempestades e ou aumento de </a:t>
+            </a:r>
+            <a:r>
+              <a:rPr lang="pt-BR" sz="1000">
+                <a:solidFill>
+                  <a:srgbClr val="002060"/>
+                </a:solidFill>
+                <a:effectLst/>
+                <a:latin typeface="Calibri" panose="020F0502020204030204" pitchFamily="34" charset="0"/>
+                <a:ea typeface="Calibri" panose="020F0502020204030204" pitchFamily="34" charset="0"/>
+                <a:cs typeface="Calibri" panose="020F0502020204030204" pitchFamily="34" charset="0"/>
+              </a:rPr>
+              <a:t>demanda </a:t>
+            </a:r>
+            <a:r>
+              <a:rPr lang="pt-BR" sz="1000">
+                <a:solidFill>
+                  <a:srgbClr val="002060"/>
+                </a:solidFill>
+                <a:latin typeface="Calibri" panose="020F0502020204030204" pitchFamily="34" charset="0"/>
+                <a:ea typeface="Calibri" panose="020F0502020204030204" pitchFamily="34" charset="0"/>
+                <a:cs typeface="Calibri" panose="020F0502020204030204" pitchFamily="34" charset="0"/>
+              </a:rPr>
+              <a:t>no </a:t>
+            </a:r>
+            <a:r>
+              <a:rPr lang="pt-BR" sz="1000">
+                <a:solidFill>
+                  <a:srgbClr val="002060"/>
+                </a:solidFill>
+                <a:effectLst/>
+                <a:latin typeface="Calibri" panose="020F0502020204030204" pitchFamily="34" charset="0"/>
+                <a:ea typeface="Calibri" panose="020F0502020204030204" pitchFamily="34" charset="0"/>
+                <a:cs typeface="Calibri" panose="020F0502020204030204" pitchFamily="34" charset="0"/>
+              </a:rPr>
+              <a:t>período </a:t>
+            </a:r>
+            <a:r>
+              <a:rPr lang="pt-BR" sz="1000" dirty="0">
+                <a:solidFill>
+                  <a:srgbClr val="002060"/>
+                </a:solidFill>
+                <a:effectLst/>
+                <a:latin typeface="Calibri" panose="020F0502020204030204" pitchFamily="34" charset="0"/>
+                <a:ea typeface="Calibri" panose="020F0502020204030204" pitchFamily="34" charset="0"/>
+                <a:cs typeface="Calibri" panose="020F0502020204030204" pitchFamily="34" charset="0"/>
+              </a:rPr>
+              <a:t>de férias.</a:t>
             </a:r>
           </a:p>
           <a:p>
@@ -8539,7 +8575,7 @@
             <p:ph idx="1"/>
             <p:extLst>
               <p:ext uri="{D42A27DB-BD31-4B8C-83A1-F6EECF244321}">
-                <p14:modId xmlns:p14="http://schemas.microsoft.com/office/powerpoint/2010/main" val="99162970"/>
+                <p14:modId xmlns:p14="http://schemas.microsoft.com/office/powerpoint/2010/main" val="207697663"/>
               </p:ext>
             </p:extLst>
           </p:nvPr>
@@ -9226,10 +9262,10 @@
                           <a:ea typeface="Calibri" panose="020F0502020204030204" pitchFamily="34" charset="0"/>
                           <a:cs typeface="Calibri" panose="020F0502020204030204" pitchFamily="34" charset="0"/>
                         </a:rPr>
-                        <a:t> (</a:t>
+                        <a:t> </a:t>
                       </a:r>
                       <a:r>
-                        <a:rPr lang="pt-BR" sz="1100" b="0" dirty="0" err="1">
+                        <a:rPr lang="pt-BR" sz="1100" b="0">
                           <a:solidFill>
                             <a:srgbClr val="002060"/>
                           </a:solidFill>
@@ -9237,7 +9273,7 @@
                           <a:ea typeface="Calibri" panose="020F0502020204030204" pitchFamily="34" charset="0"/>
                           <a:cs typeface="Calibri" panose="020F0502020204030204" pitchFamily="34" charset="0"/>
                         </a:rPr>
-                        <a:t>ex</a:t>
+                        <a:t>(ex.: </a:t>
                       </a:r>
                       <a:r>
                         <a:rPr lang="pt-BR" sz="1100" b="0" dirty="0">
@@ -9248,7 +9284,7 @@
                           <a:ea typeface="Calibri" panose="020F0502020204030204" pitchFamily="34" charset="0"/>
                           <a:cs typeface="Calibri" panose="020F0502020204030204" pitchFamily="34" charset="0"/>
                         </a:rPr>
-                        <a:t>: treinamento em degelo, equipamentos).</a:t>
+                        <a:t>treinamento em degelo, equipamentos).</a:t>
                       </a:r>
                       <a:endParaRPr lang="pt-BR" sz="1100" b="0" dirty="0">
                         <a:solidFill>

--- a/Análise Exploratoria de Dados - Atrasos Voos.pptx
+++ b/Análise Exploratoria de Dados - Atrasos Voos.pptx
@@ -344,7 +344,7 @@
           <a:p>
             <a:fld id="{1A371EF7-E44F-4D19-A5D6-560894A90488}" type="datetimeFigureOut">
               <a:rPr lang="pt-BR" smtClean="0"/>
-              <a:t>09/12/2025</a:t>
+              <a:t>10/12/2025</a:t>
             </a:fld>
             <a:endParaRPr lang="pt-BR"/>
           </a:p>
@@ -514,7 +514,7 @@
           <a:p>
             <a:fld id="{1A371EF7-E44F-4D19-A5D6-560894A90488}" type="datetimeFigureOut">
               <a:rPr lang="pt-BR" smtClean="0"/>
-              <a:t>09/12/2025</a:t>
+              <a:t>10/12/2025</a:t>
             </a:fld>
             <a:endParaRPr lang="pt-BR"/>
           </a:p>
@@ -694,7 +694,7 @@
           <a:p>
             <a:fld id="{1A371EF7-E44F-4D19-A5D6-560894A90488}" type="datetimeFigureOut">
               <a:rPr lang="pt-BR" smtClean="0"/>
-              <a:t>09/12/2025</a:t>
+              <a:t>10/12/2025</a:t>
             </a:fld>
             <a:endParaRPr lang="pt-BR"/>
           </a:p>
@@ -864,7 +864,7 @@
           <a:p>
             <a:fld id="{1A371EF7-E44F-4D19-A5D6-560894A90488}" type="datetimeFigureOut">
               <a:rPr lang="pt-BR" smtClean="0"/>
-              <a:t>09/12/2025</a:t>
+              <a:t>10/12/2025</a:t>
             </a:fld>
             <a:endParaRPr lang="pt-BR"/>
           </a:p>
@@ -1122,7 +1122,7 @@
           <a:p>
             <a:fld id="{1A371EF7-E44F-4D19-A5D6-560894A90488}" type="datetimeFigureOut">
               <a:rPr lang="pt-BR" smtClean="0"/>
-              <a:t>09/12/2025</a:t>
+              <a:t>10/12/2025</a:t>
             </a:fld>
             <a:endParaRPr lang="pt-BR"/>
           </a:p>
@@ -1410,7 +1410,7 @@
           <a:p>
             <a:fld id="{1A371EF7-E44F-4D19-A5D6-560894A90488}" type="datetimeFigureOut">
               <a:rPr lang="pt-BR" smtClean="0"/>
-              <a:t>09/12/2025</a:t>
+              <a:t>10/12/2025</a:t>
             </a:fld>
             <a:endParaRPr lang="pt-BR"/>
           </a:p>
@@ -1852,7 +1852,7 @@
           <a:p>
             <a:fld id="{1A371EF7-E44F-4D19-A5D6-560894A90488}" type="datetimeFigureOut">
               <a:rPr lang="pt-BR" smtClean="0"/>
-              <a:t>09/12/2025</a:t>
+              <a:t>10/12/2025</a:t>
             </a:fld>
             <a:endParaRPr lang="pt-BR"/>
           </a:p>
@@ -1970,7 +1970,7 @@
           <a:p>
             <a:fld id="{1A371EF7-E44F-4D19-A5D6-560894A90488}" type="datetimeFigureOut">
               <a:rPr lang="pt-BR" smtClean="0"/>
-              <a:t>09/12/2025</a:t>
+              <a:t>10/12/2025</a:t>
             </a:fld>
             <a:endParaRPr lang="pt-BR"/>
           </a:p>
@@ -2065,7 +2065,7 @@
           <a:p>
             <a:fld id="{1A371EF7-E44F-4D19-A5D6-560894A90488}" type="datetimeFigureOut">
               <a:rPr lang="pt-BR" smtClean="0"/>
-              <a:t>09/12/2025</a:t>
+              <a:t>10/12/2025</a:t>
             </a:fld>
             <a:endParaRPr lang="pt-BR"/>
           </a:p>
@@ -2353,7 +2353,7 @@
           <a:p>
             <a:fld id="{1A371EF7-E44F-4D19-A5D6-560894A90488}" type="datetimeFigureOut">
               <a:rPr lang="pt-BR" smtClean="0"/>
-              <a:t>09/12/2025</a:t>
+              <a:t>10/12/2025</a:t>
             </a:fld>
             <a:endParaRPr lang="pt-BR"/>
           </a:p>
@@ -2626,7 +2626,7 @@
           <a:p>
             <a:fld id="{1A371EF7-E44F-4D19-A5D6-560894A90488}" type="datetimeFigureOut">
               <a:rPr lang="pt-BR" smtClean="0"/>
-              <a:t>09/12/2025</a:t>
+              <a:t>10/12/2025</a:t>
             </a:fld>
             <a:endParaRPr lang="pt-BR"/>
           </a:p>
@@ -2923,7 +2923,7 @@
           <a:p>
             <a:fld id="{1A371EF7-E44F-4D19-A5D6-560894A90488}" type="datetimeFigureOut">
               <a:rPr lang="pt-BR" smtClean="0"/>
-              <a:t>09/12/2025</a:t>
+              <a:t>10/12/2025</a:t>
             </a:fld>
             <a:endParaRPr lang="pt-BR"/>
           </a:p>
@@ -6796,7 +6796,7 @@
         </p:spPr>
         <p:txBody>
           <a:bodyPr>
-            <a:normAutofit/>
+            <a:normAutofit fontScale="90000"/>
           </a:bodyPr>
           <a:lstStyle/>
           <a:p>
@@ -6865,7 +6865,30 @@
                 <a:ea typeface="Calibri" panose="020F0502020204030204" pitchFamily="34" charset="0"/>
                 <a:cs typeface="Calibri" panose="020F0502020204030204" pitchFamily="34" charset="0"/>
               </a:rPr>
-              <a:t>) domina o ranking de aeronaves problemáticas:</a:t>
+              <a:t>) domina o ranking de aeronaves </a:t>
+            </a:r>
+            <a:r>
+              <a:rPr lang="pt-BR" sz="1200" b="1" dirty="0">
+                <a:solidFill>
+                  <a:srgbClr val="002060"/>
+                </a:solidFill>
+                <a:latin typeface="Calibri" panose="020F0502020204030204" pitchFamily="34" charset="0"/>
+                <a:ea typeface="Calibri" panose="020F0502020204030204" pitchFamily="34" charset="0"/>
+                <a:cs typeface="Calibri" panose="020F0502020204030204" pitchFamily="34" charset="0"/>
+              </a:rPr>
+              <a:t>com atrasos</a:t>
+            </a:r>
+            <a:r>
+              <a:rPr lang="pt-BR" sz="1200" b="1" dirty="0">
+                <a:solidFill>
+                  <a:srgbClr val="002060"/>
+                </a:solidFill>
+                <a:effectLst/>
+                <a:latin typeface="Calibri" panose="020F0502020204030204" pitchFamily="34" charset="0"/>
+                <a:ea typeface="Calibri" panose="020F0502020204030204" pitchFamily="34" charset="0"/>
+                <a:cs typeface="Calibri" panose="020F0502020204030204" pitchFamily="34" charset="0"/>
+              </a:rPr>
+              <a:t>:</a:t>
             </a:r>
             <a:br>
               <a:rPr lang="pt-BR" sz="1200" dirty="0">
@@ -6968,7 +6991,7 @@
                 <a:ea typeface="Calibri" panose="020F0502020204030204" pitchFamily="34" charset="0"/>
                 <a:cs typeface="Calibri" panose="020F0502020204030204" pitchFamily="34" charset="0"/>
               </a:rPr>
-              <a:t>Aeronaves mais críticas que demandam atenção:</a:t>
+              <a:t>Aeronaves que demandam atenção:</a:t>
             </a:r>
             <a:br>
               <a:rPr lang="pt-BR" sz="1200" dirty="0">
@@ -7066,12 +7089,23 @@
                 <a:solidFill>
                   <a:srgbClr val="002060"/>
                 </a:solidFill>
-                <a:effectLst/>
-                <a:latin typeface="Calibri" panose="020F0502020204030204" pitchFamily="34" charset="0"/>
-                <a:ea typeface="Calibri" panose="020F0502020204030204" pitchFamily="34" charset="0"/>
-                <a:cs typeface="Calibri" panose="020F0502020204030204" pitchFamily="34" charset="0"/>
-              </a:rPr>
-              <a:t>Outras companhias com aeronaves problemáticas (isoladas)</a:t>
+                <a:latin typeface="Calibri" panose="020F0502020204030204" pitchFamily="34" charset="0"/>
+                <a:ea typeface="Calibri" panose="020F0502020204030204" pitchFamily="34" charset="0"/>
+                <a:cs typeface="Calibri" panose="020F0502020204030204" pitchFamily="34" charset="0"/>
+              </a:rPr>
+              <a:t>C</a:t>
+            </a:r>
+            <a:r>
+              <a:rPr lang="pt-BR" sz="1200" b="1" dirty="0">
+                <a:solidFill>
+                  <a:srgbClr val="002060"/>
+                </a:solidFill>
+                <a:effectLst/>
+                <a:latin typeface="Calibri" panose="020F0502020204030204" pitchFamily="34" charset="0"/>
+                <a:ea typeface="Calibri" panose="020F0502020204030204" pitchFamily="34" charset="0"/>
+                <a:cs typeface="Calibri" panose="020F0502020204030204" pitchFamily="34" charset="0"/>
+              </a:rPr>
+              <a:t>ompanhias com aeronaves (isoladas) no top 20.</a:t>
             </a:r>
             <a:br>
               <a:rPr lang="pt-BR" sz="1200" dirty="0">
@@ -7094,9 +7128,21 @@
                 <a:ea typeface="Calibri" panose="020F0502020204030204" pitchFamily="34" charset="0"/>
                 <a:cs typeface="Calibri" panose="020F0502020204030204" pitchFamily="34" charset="0"/>
               </a:rPr>
-              <a:t>DL (Delta): 1 aeronave.</a:t>
-            </a:r>
-            <a:br>
+              <a:t>DL (Delta), 9E (</a:t>
+            </a:r>
+            <a:r>
+              <a:rPr lang="pt-BR" sz="1200" dirty="0" err="1">
+                <a:solidFill>
+                  <a:srgbClr val="002060"/>
+                </a:solidFill>
+                <a:effectLst/>
+                <a:latin typeface="Calibri" panose="020F0502020204030204" pitchFamily="34" charset="0"/>
+                <a:ea typeface="Calibri" panose="020F0502020204030204" pitchFamily="34" charset="0"/>
+                <a:cs typeface="Calibri" panose="020F0502020204030204" pitchFamily="34" charset="0"/>
+              </a:rPr>
+              <a:t>Endeavor</a:t>
+            </a:r>
+            <a:r>
               <a:rPr lang="pt-BR" sz="1200" dirty="0">
                 <a:solidFill>
                   <a:srgbClr val="002060"/>
@@ -7106,65 +7152,7 @@
                 <a:ea typeface="Calibri" panose="020F0502020204030204" pitchFamily="34" charset="0"/>
                 <a:cs typeface="Calibri" panose="020F0502020204030204" pitchFamily="34" charset="0"/>
               </a:rPr>
-            </a:br>
-            <a:r>
-              <a:rPr lang="pt-BR" sz="1200" dirty="0">
-                <a:solidFill>
-                  <a:srgbClr val="002060"/>
-                </a:solidFill>
-                <a:effectLst/>
-                <a:latin typeface="Calibri" panose="020F0502020204030204" pitchFamily="34" charset="0"/>
-                <a:ea typeface="Calibri" panose="020F0502020204030204" pitchFamily="34" charset="0"/>
-                <a:cs typeface="Calibri" panose="020F0502020204030204" pitchFamily="34" charset="0"/>
-              </a:rPr>
-              <a:t>9E (</a:t>
-            </a:r>
-            <a:r>
-              <a:rPr lang="pt-BR" sz="1200" dirty="0" err="1">
-                <a:solidFill>
-                  <a:srgbClr val="002060"/>
-                </a:solidFill>
-                <a:effectLst/>
-                <a:latin typeface="Calibri" panose="020F0502020204030204" pitchFamily="34" charset="0"/>
-                <a:ea typeface="Calibri" panose="020F0502020204030204" pitchFamily="34" charset="0"/>
-                <a:cs typeface="Calibri" panose="020F0502020204030204" pitchFamily="34" charset="0"/>
-              </a:rPr>
-              <a:t>Endeavor</a:t>
-            </a:r>
-            <a:r>
-              <a:rPr lang="pt-BR" sz="1200" dirty="0">
-                <a:solidFill>
-                  <a:srgbClr val="002060"/>
-                </a:solidFill>
-                <a:effectLst/>
-                <a:latin typeface="Calibri" panose="020F0502020204030204" pitchFamily="34" charset="0"/>
-                <a:ea typeface="Calibri" panose="020F0502020204030204" pitchFamily="34" charset="0"/>
-                <a:cs typeface="Calibri" panose="020F0502020204030204" pitchFamily="34" charset="0"/>
-              </a:rPr>
-              <a:t> Air): 1.</a:t>
-            </a:r>
-            <a:br>
-              <a:rPr lang="pt-BR" sz="1200" dirty="0">
-                <a:solidFill>
-                  <a:srgbClr val="002060"/>
-                </a:solidFill>
-                <a:effectLst/>
-                <a:latin typeface="Calibri" panose="020F0502020204030204" pitchFamily="34" charset="0"/>
-                <a:ea typeface="Calibri" panose="020F0502020204030204" pitchFamily="34" charset="0"/>
-                <a:cs typeface="Calibri" panose="020F0502020204030204" pitchFamily="34" charset="0"/>
-              </a:rPr>
-            </a:br>
-            <a:r>
-              <a:rPr lang="pt-BR" sz="1200" dirty="0">
-                <a:solidFill>
-                  <a:srgbClr val="002060"/>
-                </a:solidFill>
-                <a:effectLst/>
-                <a:latin typeface="Calibri" panose="020F0502020204030204" pitchFamily="34" charset="0"/>
-                <a:ea typeface="Calibri" panose="020F0502020204030204" pitchFamily="34" charset="0"/>
-                <a:cs typeface="Calibri" panose="020F0502020204030204" pitchFamily="34" charset="0"/>
-              </a:rPr>
-              <a:t>UA (United): 1 aeronave.</a:t>
+              <a:t> Air), UA (United): 1 aeronave.</a:t>
             </a:r>
             <a:br>
               <a:rPr lang="pt-BR" sz="1200" dirty="0">
@@ -7189,23 +7177,21 @@
               </a:rPr>
             </a:br>
             <a:r>
-              <a:rPr lang="pt-BR" sz="1200" dirty="0">
-                <a:solidFill>
-                  <a:srgbClr val="002060"/>
-                </a:solidFill>
-                <a:effectLst/>
-                <a:latin typeface="Calibri" panose="020F0502020204030204" pitchFamily="34" charset="0"/>
-                <a:ea typeface="Calibri" panose="020F0502020204030204" pitchFamily="34" charset="0"/>
-                <a:cs typeface="Calibri" panose="020F0502020204030204" pitchFamily="34" charset="0"/>
-              </a:rPr>
-              <a:t>A análise das aeronaves revela que o problema de atrasos é estrutural e concentrado. A esmagadora maioria das aeronaves com pior desempenho pertence à </a:t>
-            </a:r>
-            <a:r>
-              <a:rPr lang="pt-BR" sz="1200" dirty="0" err="1">
-                <a:solidFill>
-                  <a:srgbClr val="002060"/>
-                </a:solidFill>
-                <a:effectLst/>
+              <a:rPr lang="pt-BR" sz="1300" dirty="0">
+                <a:solidFill>
+                  <a:srgbClr val="002060"/>
+                </a:solidFill>
+                <a:latin typeface="Calibri" panose="020F0502020204030204" pitchFamily="34" charset="0"/>
+                <a:ea typeface="Calibri" panose="020F0502020204030204" pitchFamily="34" charset="0"/>
+                <a:cs typeface="Calibri" panose="020F0502020204030204" pitchFamily="34" charset="0"/>
+              </a:rPr>
+              <a:t>A concentração de atrasos em aeronaves específicas da </a:t>
+            </a:r>
+            <a:r>
+              <a:rPr lang="pt-BR" sz="1300" b="1" dirty="0" err="1">
+                <a:solidFill>
+                  <a:srgbClr val="002060"/>
+                </a:solidFill>
                 <a:latin typeface="Calibri" panose="020F0502020204030204" pitchFamily="34" charset="0"/>
                 <a:ea typeface="Calibri" panose="020F0502020204030204" pitchFamily="34" charset="0"/>
                 <a:cs typeface="Calibri" panose="020F0502020204030204" pitchFamily="34" charset="0"/>
@@ -7213,27 +7199,26 @@
               <a:t>ExpressJet</a:t>
             </a:r>
             <a:r>
-              <a:rPr lang="pt-BR" sz="1200" dirty="0">
-                <a:solidFill>
-                  <a:srgbClr val="002060"/>
-                </a:solidFill>
-                <a:effectLst/>
-                <a:latin typeface="Calibri" panose="020F0502020204030204" pitchFamily="34" charset="0"/>
-                <a:ea typeface="Calibri" panose="020F0502020204030204" pitchFamily="34" charset="0"/>
-                <a:cs typeface="Calibri" panose="020F0502020204030204" pitchFamily="34" charset="0"/>
-              </a:rPr>
-              <a:t> (EV), indicando falhas crônicas na manutenção, gestão da frota ou operações da companhia</a:t>
-            </a:r>
-            <a:r>
-              <a:rPr lang="pt-BR" sz="1200" dirty="0">
-                <a:solidFill>
-                  <a:srgbClr val="002060"/>
-                </a:solidFill>
-                <a:latin typeface="Calibri" panose="020F0502020204030204" pitchFamily="34" charset="0"/>
-                <a:ea typeface="Calibri" panose="020F0502020204030204" pitchFamily="34" charset="0"/>
-                <a:cs typeface="Calibri" panose="020F0502020204030204" pitchFamily="34" charset="0"/>
-              </a:rPr>
-              <a:t>.</a:t>
+              <a:rPr lang="pt-BR" sz="1300" b="1" dirty="0">
+                <a:solidFill>
+                  <a:srgbClr val="002060"/>
+                </a:solidFill>
+                <a:latin typeface="Calibri" panose="020F0502020204030204" pitchFamily="34" charset="0"/>
+                <a:ea typeface="Calibri" panose="020F0502020204030204" pitchFamily="34" charset="0"/>
+                <a:cs typeface="Calibri" panose="020F0502020204030204" pitchFamily="34" charset="0"/>
+              </a:rPr>
+              <a:t> (EV), </a:t>
+            </a:r>
+            <a:r>
+              <a:rPr lang="pt-BR" sz="1300" dirty="0">
+                <a:solidFill>
+                  <a:srgbClr val="002060"/>
+                </a:solidFill>
+                <a:latin typeface="Calibri" panose="020F0502020204030204" pitchFamily="34" charset="0"/>
+                <a:ea typeface="Calibri" panose="020F0502020204030204" pitchFamily="34" charset="0"/>
+                <a:cs typeface="Calibri" panose="020F0502020204030204" pitchFamily="34" charset="0"/>
+              </a:rPr>
+              <a:t>sugere a existência de gargalos operacionais. O padrão repetitivo indica que essas aeronaves se comportam como vetores constantes de atraso na malha aérea. Esse cenário evidencia a necessidade de uma análise mais detalhada para identificar a causa raiz, que pode estar relacionada à estratégia de alocação em rotas críticas, à gestão do tempo de solo (turnaround) , dimensionamento da frota, entre outros fatores.</a:t>
             </a:r>
           </a:p>
         </p:txBody>
@@ -7841,7 +7826,7 @@
                 <a:ea typeface="Calibri" panose="020F0502020204030204" pitchFamily="34" charset="0"/>
                 <a:cs typeface="Calibri" panose="020F0502020204030204" pitchFamily="34" charset="0"/>
               </a:rPr>
-              <a:t>Rotas e Aeronaves: Problema Estrutural e Concentrado.</a:t>
+              <a:t>Rotas e Aeronaves: Problema Concentrado.</a:t>
             </a:r>
           </a:p>
           <a:p>
@@ -8095,7 +8080,30 @@
                 <a:ea typeface="Calibri" panose="020F0502020204030204" pitchFamily="34" charset="0"/>
                 <a:cs typeface="Calibri" panose="020F0502020204030204" pitchFamily="34" charset="0"/>
               </a:rPr>
-              <a:t>) e pela maioria das aeronaves problemáticas (</a:t>
+              <a:t>) e pela maioria das aeronaves </a:t>
+            </a:r>
+            <a:r>
+              <a:rPr lang="pt-BR" sz="1000" dirty="0">
+                <a:solidFill>
+                  <a:srgbClr val="002060"/>
+                </a:solidFill>
+                <a:latin typeface="Calibri" panose="020F0502020204030204" pitchFamily="34" charset="0"/>
+                <a:ea typeface="Calibri" panose="020F0502020204030204" pitchFamily="34" charset="0"/>
+                <a:cs typeface="Calibri" panose="020F0502020204030204" pitchFamily="34" charset="0"/>
+              </a:rPr>
+              <a:t>com maiores atrasos </a:t>
+            </a:r>
+            <a:r>
+              <a:rPr lang="pt-BR" sz="1000" dirty="0">
+                <a:solidFill>
+                  <a:srgbClr val="002060"/>
+                </a:solidFill>
+                <a:effectLst/>
+                <a:latin typeface="Calibri" panose="020F0502020204030204" pitchFamily="34" charset="0"/>
+                <a:ea typeface="Calibri" panose="020F0502020204030204" pitchFamily="34" charset="0"/>
+                <a:cs typeface="Calibri" panose="020F0502020204030204" pitchFamily="34" charset="0"/>
+              </a:rPr>
+              <a:t>(</a:t>
             </a:r>
             <a:r>
               <a:rPr lang="pt-BR" sz="1000" b="1" dirty="0">
@@ -8164,7 +8172,7 @@
                 <a:latin typeface="Calibri" panose="020F0502020204030204" pitchFamily="34" charset="0"/>
                 <a:ea typeface="Times New Roman" panose="02020603050405020304" pitchFamily="18" charset="0"/>
               </a:rPr>
-              <a:t>Embora o conjunto de dados forneça o número da aeronave, sem outros dados como: ano de fabricação e  modelo, a influência geral é inconclusiva. No entanto, observou-se que rotas para aeroportos congestionados influenciam mais do que o modelo do avião em si.</a:t>
+              <a:t>Embora o conjunto de dados forneça o número da aeronave, sem outros dados como: ano de fabricação e  modelo, etc., a influência geral é inconclusiva. No entanto, observou-se que rotas para aeroportos congestionados podem influenciar mais do que o modelo do avião em si.</a:t>
             </a:r>
             <a:endParaRPr lang="pt-BR" sz="1000" b="1" dirty="0">
               <a:solidFill>
@@ -8299,22 +8307,10 @@
                 <a:ea typeface="Calibri" panose="020F0502020204030204" pitchFamily="34" charset="0"/>
                 <a:cs typeface="Calibri" panose="020F0502020204030204" pitchFamily="34" charset="0"/>
               </a:rPr>
-              <a:t> voos partindo de Nova York (JFK, LGA, EWR), os atrasos podem ter a ver com nevascas específicas daquela região, tempestades e ou aumento de </a:t>
-            </a:r>
-            <a:r>
-              <a:rPr lang="pt-BR" sz="1000">
-                <a:solidFill>
-                  <a:srgbClr val="002060"/>
-                </a:solidFill>
-                <a:effectLst/>
-                <a:latin typeface="Calibri" panose="020F0502020204030204" pitchFamily="34" charset="0"/>
-                <a:ea typeface="Calibri" panose="020F0502020204030204" pitchFamily="34" charset="0"/>
-                <a:cs typeface="Calibri" panose="020F0502020204030204" pitchFamily="34" charset="0"/>
-              </a:rPr>
-              <a:t>demanda </a:t>
-            </a:r>
-            <a:r>
-              <a:rPr lang="pt-BR" sz="1000">
+              <a:t> voos partindo de Nova York (JFK, LGA, EWR), os atrasos podem ter a ver com nevascas específicas daquela região, tempestades e ou aumento de demanda </a:t>
+            </a:r>
+            <a:r>
+              <a:rPr lang="pt-BR" sz="1000" dirty="0">
                 <a:solidFill>
                   <a:srgbClr val="002060"/>
                 </a:solidFill>
@@ -8325,18 +8321,6 @@
               <a:t>no </a:t>
             </a:r>
             <a:r>
-              <a:rPr lang="pt-BR" sz="1000">
-                <a:solidFill>
-                  <a:srgbClr val="002060"/>
-                </a:solidFill>
-                <a:effectLst/>
-                <a:latin typeface="Calibri" panose="020F0502020204030204" pitchFamily="34" charset="0"/>
-                <a:ea typeface="Calibri" panose="020F0502020204030204" pitchFamily="34" charset="0"/>
-                <a:cs typeface="Calibri" panose="020F0502020204030204" pitchFamily="34" charset="0"/>
-              </a:rPr>
-              <a:t>período </a:t>
-            </a:r>
-            <a:r>
               <a:rPr lang="pt-BR" sz="1000" dirty="0">
                 <a:solidFill>
                   <a:srgbClr val="002060"/>
@@ -8346,7 +8330,7 @@
                 <a:ea typeface="Calibri" panose="020F0502020204030204" pitchFamily="34" charset="0"/>
                 <a:cs typeface="Calibri" panose="020F0502020204030204" pitchFamily="34" charset="0"/>
               </a:rPr>
-              <a:t>de férias.</a:t>
+              <a:t>período de férias.</a:t>
             </a:r>
           </a:p>
           <a:p>
@@ -8575,14 +8559,14 @@
             <p:ph idx="1"/>
             <p:extLst>
               <p:ext uri="{D42A27DB-BD31-4B8C-83A1-F6EECF244321}">
-                <p14:modId xmlns:p14="http://schemas.microsoft.com/office/powerpoint/2010/main" val="207697663"/>
+                <p14:modId xmlns:p14="http://schemas.microsoft.com/office/powerpoint/2010/main" val="50220601"/>
               </p:ext>
             </p:extLst>
           </p:nvPr>
         </p:nvGraphicFramePr>
         <p:xfrm>
-          <a:off x="3835400" y="725804"/>
-          <a:ext cx="7325782" cy="5397248"/>
+          <a:off x="3780398" y="567531"/>
+          <a:ext cx="7325782" cy="5713793"/>
         </p:xfrm>
         <a:graphic>
           <a:graphicData uri="http://schemas.openxmlformats.org/drawingml/2006/table">
@@ -8704,200 +8688,6 @@
                 <a:extLst>
                   <a:ext uri="{0D108BD9-81ED-4DB2-BD59-A6C34878D82A}">
                     <a16:rowId xmlns:a16="http://schemas.microsoft.com/office/drawing/2014/main" val="2554941708"/>
-                  </a:ext>
-                </a:extLst>
-              </a:tr>
-              <a:tr h="653254">
-                <a:tc>
-                  <a:txBody>
-                    <a:bodyPr/>
-                    <a:lstStyle/>
-                    <a:p>
-                      <a:pPr>
-                        <a:lnSpc>
-                          <a:spcPct val="107000"/>
-                        </a:lnSpc>
-                        <a:spcAft>
-                          <a:spcPts val="800"/>
-                        </a:spcAft>
-                      </a:pPr>
-                      <a:r>
-                        <a:rPr lang="pt-BR" sz="1100" dirty="0" err="1">
-                          <a:solidFill>
-                            <a:srgbClr val="002060"/>
-                          </a:solidFill>
-                          <a:effectLst/>
-                          <a:latin typeface="Calibri" panose="020F0502020204030204" pitchFamily="34" charset="0"/>
-                          <a:ea typeface="Calibri" panose="020F0502020204030204" pitchFamily="34" charset="0"/>
-                          <a:cs typeface="Calibri" panose="020F0502020204030204" pitchFamily="34" charset="0"/>
-                        </a:rPr>
-                        <a:t>ExpressJet</a:t>
-                      </a:r>
-                      <a:r>
-                        <a:rPr lang="pt-BR" sz="1100" dirty="0">
-                          <a:solidFill>
-                            <a:srgbClr val="002060"/>
-                          </a:solidFill>
-                          <a:effectLst/>
-                          <a:latin typeface="Calibri" panose="020F0502020204030204" pitchFamily="34" charset="0"/>
-                          <a:ea typeface="Calibri" panose="020F0502020204030204" pitchFamily="34" charset="0"/>
-                          <a:cs typeface="Calibri" panose="020F0502020204030204" pitchFamily="34" charset="0"/>
-                        </a:rPr>
-                        <a:t> (EV)</a:t>
-                      </a:r>
-                    </a:p>
-                  </a:txBody>
-                  <a:tcPr marL="9525" marR="9525" marT="9525" marB="9525" anchor="ctr"/>
-                </a:tc>
-                <a:tc>
-                  <a:txBody>
-                    <a:bodyPr/>
-                    <a:lstStyle/>
-                    <a:p>
-                      <a:pPr>
-                        <a:lnSpc>
-                          <a:spcPct val="107000"/>
-                        </a:lnSpc>
-                      </a:pPr>
-                      <a:r>
-                        <a:rPr lang="pt-BR" sz="1100" dirty="0">
-                          <a:solidFill>
-                            <a:srgbClr val="002060"/>
-                          </a:solidFill>
-                          <a:effectLst/>
-                          <a:latin typeface="Calibri" panose="020F0502020204030204" pitchFamily="34" charset="0"/>
-                          <a:ea typeface="Calibri" panose="020F0502020204030204" pitchFamily="34" charset="0"/>
-                          <a:cs typeface="Calibri" panose="020F0502020204030204" pitchFamily="34" charset="0"/>
-                        </a:rPr>
-                        <a:t>Falhas crônicas na manutenção, frota e operação (dominância nas piores aeronaves e rotas).</a:t>
-                      </a:r>
-                    </a:p>
-                  </a:txBody>
-                  <a:tcPr marL="9525" marR="9525" marT="9525" marB="9525" anchor="ctr"/>
-                </a:tc>
-                <a:tc>
-                  <a:txBody>
-                    <a:bodyPr/>
-                    <a:lstStyle/>
-                    <a:p>
-                      <a:pPr>
-                        <a:lnSpc>
-                          <a:spcPct val="107000"/>
-                        </a:lnSpc>
-                        <a:spcAft>
-                          <a:spcPts val="800"/>
-                        </a:spcAft>
-                      </a:pPr>
-                      <a:r>
-                        <a:rPr lang="pt-BR" sz="1100" dirty="0">
-                          <a:solidFill>
-                            <a:srgbClr val="002060"/>
-                          </a:solidFill>
-                          <a:effectLst/>
-                          <a:latin typeface="Calibri" panose="020F0502020204030204" pitchFamily="34" charset="0"/>
-                          <a:ea typeface="Calibri" panose="020F0502020204030204" pitchFamily="34" charset="0"/>
-                          <a:cs typeface="Calibri" panose="020F0502020204030204" pitchFamily="34" charset="0"/>
-                        </a:rPr>
-                        <a:t>Implementar auditoria, manutenção e gestão da frota. E conforme necessário, a substituição ou reparo das aeronaves mais críticas (ex.: N11119).</a:t>
-                      </a:r>
-                    </a:p>
-                  </a:txBody>
-                  <a:tcPr marL="9525" marR="9525" marT="9525" marB="9525" anchor="ctr"/>
-                </a:tc>
-                <a:extLst>
-                  <a:ext uri="{0D108BD9-81ED-4DB2-BD59-A6C34878D82A}">
-                    <a16:rowId xmlns:a16="http://schemas.microsoft.com/office/drawing/2014/main" val="2129669888"/>
-                  </a:ext>
-                </a:extLst>
-              </a:tr>
-              <a:tr h="653254">
-                <a:tc>
-                  <a:txBody>
-                    <a:bodyPr/>
-                    <a:lstStyle/>
-                    <a:p>
-                      <a:pPr>
-                        <a:lnSpc>
-                          <a:spcPct val="107000"/>
-                        </a:lnSpc>
-                        <a:spcAft>
-                          <a:spcPts val="800"/>
-                        </a:spcAft>
-                      </a:pPr>
-                      <a:r>
-                        <a:rPr lang="pt-BR" sz="1100" dirty="0">
-                          <a:solidFill>
-                            <a:srgbClr val="002060"/>
-                          </a:solidFill>
-                          <a:effectLst/>
-                          <a:latin typeface="Calibri" panose="020F0502020204030204" pitchFamily="34" charset="0"/>
-                          <a:ea typeface="Calibri" panose="020F0502020204030204" pitchFamily="34" charset="0"/>
-                          <a:cs typeface="Calibri" panose="020F0502020204030204" pitchFamily="34" charset="0"/>
-                        </a:rPr>
-                        <a:t>Infraestrutura Local</a:t>
-                      </a:r>
-                    </a:p>
-                  </a:txBody>
-                  <a:tcPr marL="9525" marR="9525" marT="9525" marB="9525" anchor="ctr"/>
-                </a:tc>
-                <a:tc>
-                  <a:txBody>
-                    <a:bodyPr/>
-                    <a:lstStyle/>
-                    <a:p>
-                      <a:pPr>
-                        <a:lnSpc>
-                          <a:spcPct val="107000"/>
-                        </a:lnSpc>
-                      </a:pPr>
-                      <a:r>
-                        <a:rPr lang="pt-BR" sz="1100" dirty="0">
-                          <a:solidFill>
-                            <a:srgbClr val="002060"/>
-                          </a:solidFill>
-                          <a:effectLst/>
-                          <a:latin typeface="Calibri" panose="020F0502020204030204" pitchFamily="34" charset="0"/>
-                          <a:ea typeface="Calibri" panose="020F0502020204030204" pitchFamily="34" charset="0"/>
-                          <a:cs typeface="Calibri" panose="020F0502020204030204" pitchFamily="34" charset="0"/>
-                        </a:rPr>
-                        <a:t>Concentração de problemas em rotas que partem de EWR e LGA.</a:t>
-                      </a:r>
-                    </a:p>
-                  </a:txBody>
-                  <a:tcPr marL="9525" marR="9525" marT="9525" marB="9525" anchor="ctr"/>
-                </a:tc>
-                <a:tc>
-                  <a:txBody>
-                    <a:bodyPr/>
-                    <a:lstStyle/>
-                    <a:p>
-                      <a:pPr>
-                        <a:lnSpc>
-                          <a:spcPct val="107000"/>
-                        </a:lnSpc>
-                        <a:spcAft>
-                          <a:spcPts val="800"/>
-                        </a:spcAft>
-                      </a:pPr>
-                      <a:r>
-                        <a:rPr lang="pt-BR" sz="1100" dirty="0">
-                          <a:solidFill>
-                            <a:srgbClr val="002060"/>
-                          </a:solidFill>
-                          <a:effectLst/>
-                          <a:latin typeface="Calibri" panose="020F0502020204030204" pitchFamily="34" charset="0"/>
-                          <a:ea typeface="Calibri" panose="020F0502020204030204" pitchFamily="34" charset="0"/>
-                          <a:cs typeface="Calibri" panose="020F0502020204030204" pitchFamily="34" charset="0"/>
-                        </a:rPr>
-                        <a:t>Investigação detalhada e coordenação com as autoridades aeroportuárias para mitigar gargalos operacionais específicos em EWR e LGA.</a:t>
-                      </a:r>
-                    </a:p>
-                  </a:txBody>
-                  <a:tcPr marL="9525" marR="9525" marT="9525" marB="9525" anchor="ctr"/>
-                </a:tc>
-                <a:extLst>
-                  <a:ext uri="{0D108BD9-81ED-4DB2-BD59-A6C34878D82A}">
-                    <a16:rowId xmlns:a16="http://schemas.microsoft.com/office/drawing/2014/main" val="2465844006"/>
                   </a:ext>
                 </a:extLst>
               </a:tr>
@@ -9083,6 +8873,237 @@
                   </a:ext>
                 </a:extLst>
               </a:tr>
+              <a:tr h="788033">
+                <a:tc>
+                  <a:txBody>
+                    <a:bodyPr/>
+                    <a:lstStyle/>
+                    <a:p>
+                      <a:pPr>
+                        <a:lnSpc>
+                          <a:spcPct val="107000"/>
+                        </a:lnSpc>
+                        <a:spcAft>
+                          <a:spcPts val="800"/>
+                        </a:spcAft>
+                      </a:pPr>
+                      <a:r>
+                        <a:rPr lang="pt-BR" sz="1100" dirty="0">
+                          <a:solidFill>
+                            <a:srgbClr val="002060"/>
+                          </a:solidFill>
+                          <a:effectLst/>
+                          <a:latin typeface="Calibri" panose="020F0502020204030204" pitchFamily="34" charset="0"/>
+                          <a:ea typeface="Calibri" panose="020F0502020204030204" pitchFamily="34" charset="0"/>
+                          <a:cs typeface="Calibri" panose="020F0502020204030204" pitchFamily="34" charset="0"/>
+                        </a:rPr>
+                        <a:t>Infraestrutura Local - Rotas</a:t>
+                      </a:r>
+                    </a:p>
+                  </a:txBody>
+                  <a:tcPr marL="9525" marR="9525" marT="9525" marB="9525" anchor="ctr"/>
+                </a:tc>
+                <a:tc>
+                  <a:txBody>
+                    <a:bodyPr/>
+                    <a:lstStyle/>
+                    <a:p>
+                      <a:pPr>
+                        <a:lnSpc>
+                          <a:spcPct val="107000"/>
+                        </a:lnSpc>
+                      </a:pPr>
+                      <a:r>
+                        <a:rPr lang="pt-BR" sz="1100" dirty="0">
+                          <a:solidFill>
+                            <a:srgbClr val="002060"/>
+                          </a:solidFill>
+                          <a:effectLst/>
+                          <a:latin typeface="Calibri" panose="020F0502020204030204" pitchFamily="34" charset="0"/>
+                          <a:ea typeface="Calibri" panose="020F0502020204030204" pitchFamily="34" charset="0"/>
+                          <a:cs typeface="Calibri" panose="020F0502020204030204" pitchFamily="34" charset="0"/>
+                        </a:rPr>
+                        <a:t>Concentração de problemas em rotas que partem de EWR e LGA.</a:t>
+                      </a:r>
+                    </a:p>
+                  </a:txBody>
+                  <a:tcPr marL="9525" marR="9525" marT="9525" marB="9525" anchor="ctr"/>
+                </a:tc>
+                <a:tc>
+                  <a:txBody>
+                    <a:bodyPr/>
+                    <a:lstStyle/>
+                    <a:p>
+                      <a:pPr>
+                        <a:lnSpc>
+                          <a:spcPct val="107000"/>
+                        </a:lnSpc>
+                        <a:spcAft>
+                          <a:spcPts val="800"/>
+                        </a:spcAft>
+                      </a:pPr>
+                      <a:r>
+                        <a:rPr lang="pt-BR" sz="1100" dirty="0">
+                          <a:solidFill>
+                            <a:srgbClr val="002060"/>
+                          </a:solidFill>
+                          <a:effectLst/>
+                          <a:latin typeface="Calibri" panose="020F0502020204030204" pitchFamily="34" charset="0"/>
+                          <a:ea typeface="Calibri" panose="020F0502020204030204" pitchFamily="34" charset="0"/>
+                          <a:cs typeface="Calibri" panose="020F0502020204030204" pitchFamily="34" charset="0"/>
+                        </a:rPr>
+                        <a:t>Investigação detalhada e coordenação com as autoridades aeroportuárias para mitigar gargalos operacionais específicos em EWR e LGA.</a:t>
+                      </a:r>
+                    </a:p>
+                  </a:txBody>
+                  <a:tcPr marL="9525" marR="9525" marT="9525" marB="9525" anchor="ctr"/>
+                </a:tc>
+                <a:extLst>
+                  <a:ext uri="{0D108BD9-81ED-4DB2-BD59-A6C34878D82A}">
+                    <a16:rowId xmlns:a16="http://schemas.microsoft.com/office/drawing/2014/main" val="3136150815"/>
+                  </a:ext>
+                </a:extLst>
+              </a:tr>
+              <a:tr h="974899">
+                <a:tc>
+                  <a:txBody>
+                    <a:bodyPr/>
+                    <a:lstStyle/>
+                    <a:p>
+                      <a:pPr>
+                        <a:lnSpc>
+                          <a:spcPct val="107000"/>
+                        </a:lnSpc>
+                        <a:spcAft>
+                          <a:spcPts val="800"/>
+                        </a:spcAft>
+                      </a:pPr>
+                      <a:r>
+                        <a:rPr lang="pt-BR" sz="1100" dirty="0">
+                          <a:solidFill>
+                            <a:srgbClr val="002060"/>
+                          </a:solidFill>
+                          <a:effectLst/>
+                          <a:latin typeface="Calibri" panose="020F0502020204030204" pitchFamily="34" charset="0"/>
+                          <a:ea typeface="Calibri" panose="020F0502020204030204" pitchFamily="34" charset="0"/>
+                          <a:cs typeface="Calibri" panose="020F0502020204030204" pitchFamily="34" charset="0"/>
+                        </a:rPr>
+                        <a:t>Aeronaves</a:t>
+                      </a:r>
+                    </a:p>
+                  </a:txBody>
+                  <a:tcPr marL="9525" marR="9525" marT="9525" marB="9525" anchor="ctr"/>
+                </a:tc>
+                <a:tc>
+                  <a:txBody>
+                    <a:bodyPr/>
+                    <a:lstStyle/>
+                    <a:p>
+                      <a:pPr marL="0" marR="0" lvl="0" indent="0" algn="l" defTabSz="914400" rtl="0" eaLnBrk="1" fontAlgn="auto" latinLnBrk="0" hangingPunct="1">
+                        <a:lnSpc>
+                          <a:spcPct val="107000"/>
+                        </a:lnSpc>
+                        <a:spcBef>
+                          <a:spcPts val="0"/>
+                        </a:spcBef>
+                        <a:spcAft>
+                          <a:spcPts val="0"/>
+                        </a:spcAft>
+                        <a:buClrTx/>
+                        <a:buSzTx/>
+                        <a:buFontTx/>
+                        <a:buNone/>
+                        <a:tabLst/>
+                        <a:defRPr/>
+                      </a:pPr>
+                      <a:r>
+                        <a:rPr lang="pt-BR" sz="1100" dirty="0" err="1">
+                          <a:solidFill>
+                            <a:srgbClr val="002060"/>
+                          </a:solidFill>
+                          <a:effectLst/>
+                          <a:latin typeface="Calibri" panose="020F0502020204030204" pitchFamily="34" charset="0"/>
+                          <a:ea typeface="Calibri" panose="020F0502020204030204" pitchFamily="34" charset="0"/>
+                          <a:cs typeface="Calibri" panose="020F0502020204030204" pitchFamily="34" charset="0"/>
+                        </a:rPr>
+                        <a:t>ExpressJet</a:t>
+                      </a:r>
+                      <a:r>
+                        <a:rPr lang="pt-BR" sz="1100" dirty="0">
+                          <a:solidFill>
+                            <a:srgbClr val="002060"/>
+                          </a:solidFill>
+                          <a:effectLst/>
+                          <a:latin typeface="Calibri" panose="020F0502020204030204" pitchFamily="34" charset="0"/>
+                          <a:ea typeface="Calibri" panose="020F0502020204030204" pitchFamily="34" charset="0"/>
+                          <a:cs typeface="Calibri" panose="020F0502020204030204" pitchFamily="34" charset="0"/>
+                        </a:rPr>
+                        <a:t> (EV): </a:t>
+                      </a:r>
+                      <a:r>
+                        <a:rPr lang="pt-BR" sz="1100" dirty="0">
+                          <a:solidFill>
+                            <a:srgbClr val="002060"/>
+                          </a:solidFill>
+                          <a:latin typeface="Calibri" panose="020F0502020204030204" pitchFamily="34" charset="0"/>
+                          <a:ea typeface="Calibri" panose="020F0502020204030204" pitchFamily="34" charset="0"/>
+                          <a:cs typeface="Calibri" panose="020F0502020204030204" pitchFamily="34" charset="0"/>
+                        </a:rPr>
+                        <a:t>Baixa eficiência operacional em aeronaves específicas (recorrência de atrasos).</a:t>
+                      </a:r>
+                      <a:endParaRPr lang="pt-BR" sz="1100" dirty="0">
+                        <a:solidFill>
+                          <a:srgbClr val="002060"/>
+                        </a:solidFill>
+                        <a:effectLst/>
+                        <a:latin typeface="Calibri" panose="020F0502020204030204" pitchFamily="34" charset="0"/>
+                        <a:ea typeface="Calibri" panose="020F0502020204030204" pitchFamily="34" charset="0"/>
+                        <a:cs typeface="Calibri" panose="020F0502020204030204" pitchFamily="34" charset="0"/>
+                      </a:endParaRPr>
+                    </a:p>
+                  </a:txBody>
+                  <a:tcPr marL="9525" marR="9525" marT="9525" marB="9525" anchor="ctr"/>
+                </a:tc>
+                <a:tc>
+                  <a:txBody>
+                    <a:bodyPr/>
+                    <a:lstStyle/>
+                    <a:p>
+                      <a:pPr>
+                        <a:lnSpc>
+                          <a:spcPct val="107000"/>
+                        </a:lnSpc>
+                        <a:spcAft>
+                          <a:spcPts val="800"/>
+                        </a:spcAft>
+                      </a:pPr>
+                      <a:r>
+                        <a:rPr lang="pt-BR" sz="1100" dirty="0">
+                          <a:solidFill>
+                            <a:srgbClr val="002060"/>
+                          </a:solidFill>
+                        </a:rPr>
+                        <a:t>Revisão da Escala e Alocação: Realizar rodízio de aeronaves para rotas menos congestionadas a fim de testar se a performance melhora. Caso o atraso persista independente da rota, encaminhar para revisão de disponibilidade operacional.</a:t>
+                      </a:r>
+                      <a:endParaRPr lang="pt-BR" sz="1100" dirty="0">
+                        <a:solidFill>
+                          <a:srgbClr val="002060"/>
+                        </a:solidFill>
+                        <a:effectLst/>
+                        <a:latin typeface="Calibri" panose="020F0502020204030204" pitchFamily="34" charset="0"/>
+                        <a:ea typeface="Calibri" panose="020F0502020204030204" pitchFamily="34" charset="0"/>
+                        <a:cs typeface="Calibri" panose="020F0502020204030204" pitchFamily="34" charset="0"/>
+                      </a:endParaRPr>
+                    </a:p>
+                  </a:txBody>
+                  <a:tcPr marL="9525" marR="9525" marT="9525" marB="9525" anchor="ctr"/>
+                </a:tc>
+                <a:extLst>
+                  <a:ext uri="{0D108BD9-81ED-4DB2-BD59-A6C34878D82A}">
+                    <a16:rowId xmlns:a16="http://schemas.microsoft.com/office/drawing/2014/main" val="2296233452"/>
+                  </a:ext>
+                </a:extLst>
+              </a:tr>
               <a:tr h="974899">
                 <a:tc>
                   <a:txBody>
@@ -9262,29 +9283,7 @@
                           <a:ea typeface="Calibri" panose="020F0502020204030204" pitchFamily="34" charset="0"/>
                           <a:cs typeface="Calibri" panose="020F0502020204030204" pitchFamily="34" charset="0"/>
                         </a:rPr>
-                        <a:t> </a:t>
-                      </a:r>
-                      <a:r>
-                        <a:rPr lang="pt-BR" sz="1100" b="0">
-                          <a:solidFill>
-                            <a:srgbClr val="002060"/>
-                          </a:solidFill>
-                          <a:latin typeface="Calibri" panose="020F0502020204030204" pitchFamily="34" charset="0"/>
-                          <a:ea typeface="Calibri" panose="020F0502020204030204" pitchFamily="34" charset="0"/>
-                          <a:cs typeface="Calibri" panose="020F0502020204030204" pitchFamily="34" charset="0"/>
-                        </a:rPr>
-                        <a:t>(ex.: </a:t>
-                      </a:r>
-                      <a:r>
-                        <a:rPr lang="pt-BR" sz="1100" b="0" dirty="0">
-                          <a:solidFill>
-                            <a:srgbClr val="002060"/>
-                          </a:solidFill>
-                          <a:latin typeface="Calibri" panose="020F0502020204030204" pitchFamily="34" charset="0"/>
-                          <a:ea typeface="Calibri" panose="020F0502020204030204" pitchFamily="34" charset="0"/>
-                          <a:cs typeface="Calibri" panose="020F0502020204030204" pitchFamily="34" charset="0"/>
-                        </a:rPr>
-                        <a:t>treinamento em degelo, equipamentos).</a:t>
+                        <a:t> (ex.: treinamento em degelo, equipamentos).</a:t>
                       </a:r>
                       <a:endParaRPr lang="pt-BR" sz="1100" b="0" dirty="0">
                         <a:solidFill>
@@ -9305,7 +9304,7 @@
                   </a:ext>
                 </a:extLst>
               </a:tr>
-              <a:tr h="1226807">
+              <a:tr h="801388">
                 <a:tc>
                   <a:txBody>
                     <a:bodyPr/>
@@ -9418,25 +9417,6 @@
                         </a:rPr>
                         <a:t>Gestão de demanda, reforçar equipes e recursos operacionais, aumentar o tempo de solo (buffer) entre voos nos horários de pico (final da tarde) para absorver pequenos atrasos anteriores e evitar a propagação. </a:t>
                       </a:r>
-                    </a:p>
-                    <a:p>
-                      <a:pPr>
-                        <a:lnSpc>
-                          <a:spcPct val="107000"/>
-                        </a:lnSpc>
-                        <a:spcAft>
-                          <a:spcPts val="800"/>
-                        </a:spcAft>
-                      </a:pPr>
-                      <a:endParaRPr lang="pt-BR" sz="1100" dirty="0">
-                        <a:solidFill>
-                          <a:srgbClr val="002060"/>
-                        </a:solidFill>
-                        <a:effectLst/>
-                        <a:latin typeface="Calibri" panose="020F0502020204030204" pitchFamily="34" charset="0"/>
-                        <a:ea typeface="Calibri" panose="020F0502020204030204" pitchFamily="34" charset="0"/>
-                        <a:cs typeface="Calibri" panose="020F0502020204030204" pitchFamily="34" charset="0"/>
-                      </a:endParaRPr>
                     </a:p>
                   </a:txBody>
                   <a:tcPr marL="9525" marR="9525" marT="9525" marB="9525" anchor="ctr"/>
